--- a/LCA Enumeration.pptx
+++ b/LCA Enumeration.pptx
@@ -358,7 +358,7 @@
           <a:p>
             <a:fld id="{3B1994AF-D40F-C049-8F53-8999E12B5AB7}" type="datetimeFigureOut">
               <a:rPr lang="en-US" smtClean="0"/>
-              <a:t>2/13/2023</a:t>
+              <a:t>9/14/2023</a:t>
             </a:fld>
             <a:endParaRPr lang="en-US"/>
           </a:p>
@@ -5474,7 +5474,7 @@
           <a:p>
             <a:r>
               <a:rPr lang="en-US" dirty="0"/>
-              <a:t>11/14/2022</a:t>
+              <a:t>9/14/2023</a:t>
             </a:r>
           </a:p>
         </p:txBody>
